--- a/CHING JIAN/AppInventor/00_App Inventor 2 安裝指引_單機版(離線版).pptx
+++ b/CHING JIAN/AppInventor/00_App Inventor 2 安裝指引_單機版(離線版).pptx
@@ -21,6 +21,7 @@
     <p:sldId id="270" r:id="rId15"/>
     <p:sldId id="271" r:id="rId16"/>
     <p:sldId id="272" r:id="rId17"/>
+    <p:sldId id="275" r:id="rId18"/>
   </p:sldIdLst>
   <p:sldSz cx="12192000" cy="6858000"/>
   <p:notesSz cx="6858000" cy="9144000"/>
@@ -309,7 +310,7 @@
             <a:fld id="{B61BEF0D-F0BB-DE4B-95CE-6DB70DBA9567}" type="datetimeFigureOut">
               <a:rPr lang="en-US" smtClean="0"/>
               <a:pPr/>
-              <a:t>12/21/2020</a:t>
+              <a:t>7/25/2021</a:t>
             </a:fld>
             <a:endParaRPr lang="en-US" dirty="0"/>
           </a:p>
@@ -578,7 +579,7 @@
             <a:fld id="{B61BEF0D-F0BB-DE4B-95CE-6DB70DBA9567}" type="datetimeFigureOut">
               <a:rPr lang="en-US" smtClean="0"/>
               <a:pPr/>
-              <a:t>12/21/2020</a:t>
+              <a:t>7/25/2021</a:t>
             </a:fld>
             <a:endParaRPr lang="en-US" dirty="0"/>
           </a:p>
@@ -811,7 +812,7 @@
             <a:fld id="{B61BEF0D-F0BB-DE4B-95CE-6DB70DBA9567}" type="datetimeFigureOut">
               <a:rPr lang="en-US" smtClean="0"/>
               <a:pPr/>
-              <a:t>12/21/2020</a:t>
+              <a:t>7/25/2021</a:t>
             </a:fld>
             <a:endParaRPr lang="en-US" dirty="0"/>
           </a:p>
@@ -1123,7 +1124,7 @@
             <a:fld id="{B61BEF0D-F0BB-DE4B-95CE-6DB70DBA9567}" type="datetimeFigureOut">
               <a:rPr lang="en-US" smtClean="0"/>
               <a:pPr/>
-              <a:t>12/21/2020</a:t>
+              <a:t>7/25/2021</a:t>
             </a:fld>
             <a:endParaRPr lang="en-US" dirty="0"/>
           </a:p>
@@ -1598,7 +1599,7 @@
             <a:fld id="{B61BEF0D-F0BB-DE4B-95CE-6DB70DBA9567}" type="datetimeFigureOut">
               <a:rPr lang="en-US" smtClean="0"/>
               <a:pPr/>
-              <a:t>12/21/2020</a:t>
+              <a:t>7/25/2021</a:t>
             </a:fld>
             <a:endParaRPr lang="en-US" dirty="0"/>
           </a:p>
@@ -2147,7 +2148,7 @@
             <a:fld id="{B61BEF0D-F0BB-DE4B-95CE-6DB70DBA9567}" type="datetimeFigureOut">
               <a:rPr lang="en-US" smtClean="0"/>
               <a:pPr/>
-              <a:t>12/21/2020</a:t>
+              <a:t>7/25/2021</a:t>
             </a:fld>
             <a:endParaRPr lang="en-US" dirty="0"/>
           </a:p>
@@ -2923,7 +2924,7 @@
             <a:fld id="{B61BEF0D-F0BB-DE4B-95CE-6DB70DBA9567}" type="datetimeFigureOut">
               <a:rPr lang="en-US" smtClean="0"/>
               <a:pPr/>
-              <a:t>12/21/2020</a:t>
+              <a:t>7/25/2021</a:t>
             </a:fld>
             <a:endParaRPr lang="en-US" dirty="0"/>
           </a:p>
@@ -3100,7 +3101,7 @@
             <a:fld id="{B61BEF0D-F0BB-DE4B-95CE-6DB70DBA9567}" type="datetimeFigureOut">
               <a:rPr lang="en-US" smtClean="0"/>
               <a:pPr/>
-              <a:t>12/21/2020</a:t>
+              <a:t>7/25/2021</a:t>
             </a:fld>
             <a:endParaRPr lang="en-US" dirty="0"/>
           </a:p>
@@ -3325,7 +3326,7 @@
             <a:fld id="{B61BEF0D-F0BB-DE4B-95CE-6DB70DBA9567}" type="datetimeFigureOut">
               <a:rPr lang="en-US" smtClean="0"/>
               <a:pPr/>
-              <a:t>12/21/2020</a:t>
+              <a:t>7/25/2021</a:t>
             </a:fld>
             <a:endParaRPr lang="en-US" dirty="0"/>
           </a:p>
@@ -3507,7 +3508,7 @@
             <a:fld id="{B61BEF0D-F0BB-DE4B-95CE-6DB70DBA9567}" type="datetimeFigureOut">
               <a:rPr lang="en-US" smtClean="0"/>
               <a:pPr/>
-              <a:t>12/21/2020</a:t>
+              <a:t>7/25/2021</a:t>
             </a:fld>
             <a:endParaRPr lang="en-US" dirty="0"/>
           </a:p>
@@ -3798,7 +3799,7 @@
             <a:fld id="{B61BEF0D-F0BB-DE4B-95CE-6DB70DBA9567}" type="datetimeFigureOut">
               <a:rPr lang="en-US" smtClean="0"/>
               <a:pPr/>
-              <a:t>12/21/2020</a:t>
+              <a:t>7/25/2021</a:t>
             </a:fld>
             <a:endParaRPr lang="en-US" dirty="0"/>
           </a:p>
@@ -4042,7 +4043,7 @@
             <a:fld id="{B61BEF0D-F0BB-DE4B-95CE-6DB70DBA9567}" type="datetimeFigureOut">
               <a:rPr lang="en-US" smtClean="0"/>
               <a:pPr/>
-              <a:t>12/21/2020</a:t>
+              <a:t>7/25/2021</a:t>
             </a:fld>
             <a:endParaRPr lang="en-US" dirty="0"/>
           </a:p>
@@ -4423,7 +4424,7 @@
             <a:fld id="{B61BEF0D-F0BB-DE4B-95CE-6DB70DBA9567}" type="datetimeFigureOut">
               <a:rPr lang="en-US" smtClean="0"/>
               <a:pPr/>
-              <a:t>12/21/2020</a:t>
+              <a:t>7/25/2021</a:t>
             </a:fld>
             <a:endParaRPr lang="en-US" dirty="0"/>
           </a:p>
@@ -4543,7 +4544,7 @@
             <a:fld id="{B61BEF0D-F0BB-DE4B-95CE-6DB70DBA9567}" type="datetimeFigureOut">
               <a:rPr lang="en-US" smtClean="0"/>
               <a:pPr/>
-              <a:t>12/21/2020</a:t>
+              <a:t>7/25/2021</a:t>
             </a:fld>
             <a:endParaRPr lang="en-US" dirty="0"/>
           </a:p>
@@ -4640,7 +4641,7 @@
             <a:fld id="{B61BEF0D-F0BB-DE4B-95CE-6DB70DBA9567}" type="datetimeFigureOut">
               <a:rPr lang="en-US" smtClean="0"/>
               <a:pPr/>
-              <a:t>12/21/2020</a:t>
+              <a:t>7/25/2021</a:t>
             </a:fld>
             <a:endParaRPr lang="en-US" dirty="0"/>
           </a:p>
@@ -4891,7 +4892,7 @@
             <a:fld id="{B61BEF0D-F0BB-DE4B-95CE-6DB70DBA9567}" type="datetimeFigureOut">
               <a:rPr lang="en-US" smtClean="0"/>
               <a:pPr/>
-              <a:t>12/21/2020</a:t>
+              <a:t>7/25/2021</a:t>
             </a:fld>
             <a:endParaRPr lang="en-US" dirty="0"/>
           </a:p>
@@ -5150,7 +5151,7 @@
             <a:fld id="{B61BEF0D-F0BB-DE4B-95CE-6DB70DBA9567}" type="datetimeFigureOut">
               <a:rPr lang="en-US" smtClean="0"/>
               <a:pPr/>
-              <a:t>12/21/2020</a:t>
+              <a:t>7/25/2021</a:t>
             </a:fld>
             <a:endParaRPr lang="en-US" dirty="0"/>
           </a:p>
@@ -5395,7 +5396,7 @@
             <a:fld id="{B61BEF0D-F0BB-DE4B-95CE-6DB70DBA9567}" type="datetimeFigureOut">
               <a:rPr lang="en-US" smtClean="0"/>
               <a:pPr/>
-              <a:t>12/21/2020</a:t>
+              <a:t>7/25/2021</a:t>
             </a:fld>
             <a:endParaRPr lang="en-US" dirty="0"/>
           </a:p>
@@ -5887,7 +5888,7 @@
           <a:p>
             <a:fld id="{F7660503-DF43-4A7C-BF78-5148C24FF462}" type="datetime5">
               <a:rPr lang="zh-TW" altLang="en-US" smtClean="0"/>
-              <a:t>2020年12月21日星期一</a:t>
+              <a:t>2021年7月25日星期日</a:t>
             </a:fld>
             <a:endParaRPr lang="en-US" altLang="zh-TW" dirty="0" smtClean="0"/>
           </a:p>
@@ -7216,6 +7217,263 @@
     <p:extLst>
       <p:ext uri="{BB962C8B-B14F-4D97-AF65-F5344CB8AC3E}">
         <p14:creationId xmlns:p14="http://schemas.microsoft.com/office/powerpoint/2010/main" val="1670011854"/>
+      </p:ext>
+    </p:extLst>
+  </p:cSld>
+  <p:clrMapOvr>
+    <a:masterClrMapping/>
+  </p:clrMapOvr>
+</p:sld>
+</file>
+
+<file path=ppt/slides/slide17.xml><?xml version="1.0" encoding="utf-8"?>
+<p:sld xmlns:a="http://schemas.openxmlformats.org/drawingml/2006/main" xmlns:r="http://schemas.openxmlformats.org/officeDocument/2006/relationships" xmlns:p="http://schemas.openxmlformats.org/presentationml/2006/main">
+  <p:cSld>
+    <p:spTree>
+      <p:nvGrpSpPr>
+        <p:cNvPr id="1" name=""/>
+        <p:cNvGrpSpPr/>
+        <p:nvPr/>
+      </p:nvGrpSpPr>
+      <p:grpSpPr>
+        <a:xfrm>
+          <a:off x="0" y="0"/>
+          <a:ext cx="0" cy="0"/>
+          <a:chOff x="0" y="0"/>
+          <a:chExt cx="0" cy="0"/>
+        </a:xfrm>
+      </p:grpSpPr>
+      <p:sp>
+        <p:nvSpPr>
+          <p:cNvPr id="2" name="標題 1"/>
+          <p:cNvSpPr>
+            <a:spLocks noGrp="1"/>
+          </p:cNvSpPr>
+          <p:nvPr>
+            <p:ph type="title"/>
+          </p:nvPr>
+        </p:nvSpPr>
+        <p:spPr/>
+        <p:txBody>
+          <a:bodyPr/>
+          <a:lstStyle/>
+          <a:p>
+            <a:r>
+              <a:rPr lang="zh-TW" altLang="en-US"/>
+              <a:t>很可能</a:t>
+            </a:r>
+            <a:r>
+              <a:rPr lang="zh-TW" altLang="en-US" smtClean="0"/>
+              <a:t>要</a:t>
+            </a:r>
+            <a:r>
+              <a:rPr lang="zh-TW" altLang="en-US" dirty="0" smtClean="0"/>
+              <a:t>開手機的</a:t>
+            </a:r>
+            <a:r>
+              <a:rPr lang="zh-TW" altLang="en-US" b="1" dirty="0" smtClean="0">
+                <a:solidFill>
+                  <a:srgbClr val="FF0000"/>
+                </a:solidFill>
+              </a:rPr>
+              <a:t>開發人員</a:t>
+            </a:r>
+            <a:r>
+              <a:rPr lang="en-US" altLang="zh-TW" b="1" dirty="0" smtClean="0">
+                <a:solidFill>
+                  <a:srgbClr val="FF0000"/>
+                </a:solidFill>
+              </a:rPr>
+              <a:t>(</a:t>
+            </a:r>
+            <a:r>
+              <a:rPr lang="zh-TW" altLang="en-US" b="1" dirty="0" smtClean="0">
+                <a:solidFill>
+                  <a:srgbClr val="FF0000"/>
+                </a:solidFill>
+              </a:rPr>
+              <a:t>者</a:t>
+            </a:r>
+            <a:r>
+              <a:rPr lang="en-US" altLang="zh-TW" b="1" dirty="0" smtClean="0">
+                <a:solidFill>
+                  <a:srgbClr val="FF0000"/>
+                </a:solidFill>
+              </a:rPr>
+              <a:t>)</a:t>
+            </a:r>
+            <a:r>
+              <a:rPr lang="zh-TW" altLang="en-US" b="1" dirty="0" smtClean="0">
+                <a:solidFill>
+                  <a:srgbClr val="FF0000"/>
+                </a:solidFill>
+              </a:rPr>
+              <a:t>選項</a:t>
+            </a:r>
+            <a:r>
+              <a:rPr lang="zh-TW" altLang="en-US" dirty="0" smtClean="0"/>
+              <a:t>！</a:t>
+            </a:r>
+            <a:endParaRPr lang="zh-TW" altLang="en-US" dirty="0"/>
+          </a:p>
+        </p:txBody>
+      </p:sp>
+      <p:sp>
+        <p:nvSpPr>
+          <p:cNvPr id="3" name="內容版面配置區 2"/>
+          <p:cNvSpPr>
+            <a:spLocks noGrp="1"/>
+          </p:cNvSpPr>
+          <p:nvPr>
+            <p:ph idx="1"/>
+          </p:nvPr>
+        </p:nvSpPr>
+        <p:spPr/>
+        <p:txBody>
+          <a:bodyPr/>
+          <a:lstStyle/>
+          <a:p>
+            <a:r>
+              <a:rPr lang="zh-TW" altLang="en-US" dirty="0" smtClean="0"/>
+              <a:t>各家手機與不同型號的啟用</a:t>
+            </a:r>
+            <a:r>
+              <a:rPr lang="zh-TW" altLang="en-US" b="1" dirty="0" smtClean="0">
+                <a:solidFill>
+                  <a:srgbClr val="FF0000"/>
+                </a:solidFill>
+              </a:rPr>
+              <a:t>開發人員</a:t>
+            </a:r>
+            <a:r>
+              <a:rPr lang="en-US" altLang="zh-TW" b="1" dirty="0" smtClean="0">
+                <a:solidFill>
+                  <a:srgbClr val="FF0000"/>
+                </a:solidFill>
+              </a:rPr>
+              <a:t>(</a:t>
+            </a:r>
+            <a:r>
+              <a:rPr lang="zh-TW" altLang="en-US" b="1" dirty="0" smtClean="0">
+                <a:solidFill>
+                  <a:srgbClr val="FF0000"/>
+                </a:solidFill>
+              </a:rPr>
+              <a:t>者</a:t>
+            </a:r>
+            <a:r>
+              <a:rPr lang="en-US" altLang="zh-TW" b="1" dirty="0" smtClean="0">
+                <a:solidFill>
+                  <a:srgbClr val="FF0000"/>
+                </a:solidFill>
+              </a:rPr>
+              <a:t>)</a:t>
+            </a:r>
+            <a:r>
+              <a:rPr lang="zh-TW" altLang="en-US" b="1" dirty="0" smtClean="0">
+                <a:solidFill>
+                  <a:srgbClr val="FF0000"/>
+                </a:solidFill>
+              </a:rPr>
+              <a:t>選項</a:t>
+            </a:r>
+            <a:r>
+              <a:rPr lang="zh-TW" altLang="en-US" dirty="0" smtClean="0"/>
+              <a:t>的步驟不一定一樣。</a:t>
+            </a:r>
+            <a:endParaRPr lang="en-US" altLang="zh-TW" dirty="0" smtClean="0"/>
+          </a:p>
+          <a:p>
+            <a:r>
+              <a:rPr lang="zh-TW" altLang="en-US" dirty="0"/>
+              <a:t>請查一下網路上有個家的方式說明</a:t>
+            </a:r>
+            <a:r>
+              <a:rPr lang="zh-TW" altLang="en-US" dirty="0" smtClean="0"/>
+              <a:t>。</a:t>
+            </a:r>
+            <a:endParaRPr lang="en-US" altLang="zh-TW" dirty="0" smtClean="0"/>
+          </a:p>
+          <a:p>
+            <a:r>
+              <a:rPr lang="zh-TW" altLang="en-US" dirty="0" smtClean="0"/>
+              <a:t>在裡面啟用以下幾個</a:t>
+            </a:r>
+            <a:r>
+              <a:rPr lang="en-US" altLang="zh-TW" dirty="0" smtClean="0"/>
+              <a:t>(</a:t>
+            </a:r>
+            <a:r>
+              <a:rPr lang="zh-TW" altLang="en-US" dirty="0" smtClean="0"/>
+              <a:t>有一些不一定在開發人員選項中！</a:t>
+            </a:r>
+            <a:r>
+              <a:rPr lang="en-US" altLang="zh-TW" dirty="0" smtClean="0"/>
+              <a:t>)</a:t>
+            </a:r>
+          </a:p>
+          <a:p>
+            <a:pPr lvl="1"/>
+            <a:r>
+              <a:rPr lang="en-US" altLang="zh-TW" dirty="0" smtClean="0"/>
+              <a:t>USB</a:t>
+            </a:r>
+            <a:r>
+              <a:rPr lang="zh-TW" altLang="en-US" dirty="0" smtClean="0"/>
+              <a:t>偵錯</a:t>
+            </a:r>
+            <a:endParaRPr lang="en-US" altLang="zh-TW" dirty="0" smtClean="0"/>
+          </a:p>
+          <a:p>
+            <a:pPr lvl="1"/>
+            <a:r>
+              <a:rPr lang="en-US" altLang="zh-TW" dirty="0" smtClean="0"/>
+              <a:t>USB</a:t>
+            </a:r>
+            <a:r>
+              <a:rPr lang="zh-TW" altLang="en-US" dirty="0" smtClean="0"/>
+              <a:t>安裝</a:t>
+            </a:r>
+            <a:endParaRPr lang="en-US" altLang="zh-TW" dirty="0" smtClean="0"/>
+          </a:p>
+          <a:p>
+            <a:pPr lvl="1"/>
+            <a:r>
+              <a:rPr lang="zh-TW" altLang="en-US" dirty="0"/>
+              <a:t>通過</a:t>
+            </a:r>
+            <a:r>
+              <a:rPr lang="en-US" altLang="zh-TW" dirty="0"/>
+              <a:t>USB</a:t>
+            </a:r>
+            <a:r>
+              <a:rPr lang="zh-TW" altLang="en-US" dirty="0"/>
+              <a:t>驗證</a:t>
+            </a:r>
+            <a:r>
+              <a:rPr lang="zh-TW" altLang="en-US" dirty="0" smtClean="0"/>
+              <a:t>應用</a:t>
+            </a:r>
+            <a:endParaRPr lang="en-US" altLang="zh-TW" dirty="0" smtClean="0"/>
+          </a:p>
+          <a:p>
+            <a:pPr lvl="1"/>
+            <a:r>
+              <a:rPr lang="zh-TW" altLang="en-US" dirty="0"/>
+              <a:t>允許安裝未知</a:t>
+            </a:r>
+            <a:r>
+              <a:rPr lang="zh-TW" altLang="en-US" dirty="0" smtClean="0"/>
+              <a:t>來源應用</a:t>
+            </a:r>
+            <a:endParaRPr lang="zh-TW" altLang="en-US" dirty="0"/>
+          </a:p>
+        </p:txBody>
+      </p:sp>
+    </p:spTree>
+    <p:extLst>
+      <p:ext uri="{BB962C8B-B14F-4D97-AF65-F5344CB8AC3E}">
+        <p14:creationId xmlns:p14="http://schemas.microsoft.com/office/powerpoint/2010/main" val="2614369158"/>
       </p:ext>
     </p:extLst>
   </p:cSld>
